--- a/slides/tdd.pptx
+++ b/slides/tdd.pptx
@@ -3274,7 +3274,7 @@
           <a:p>
             <a:fld id="{16E5F246-0B7D-44DF-8C1B-EDFCA5DA626A}" type="datetimeFigureOut">
               <a:rPr lang="ru-RU" smtClean="0"/>
-              <a:t>04.04.2016</a:t>
+              <a:t>05.04.2016</a:t>
             </a:fld>
             <a:endParaRPr lang="ru-RU"/>
           </a:p>
@@ -4115,7 +4115,7 @@
           <a:p>
             <a:fld id="{ED7A5A9E-355E-4F5A-82F5-195339D13266}" type="datetimeFigureOut">
               <a:rPr lang="ru-RU" smtClean="0"/>
-              <a:t>04.04.2016</a:t>
+              <a:t>05.04.2016</a:t>
             </a:fld>
             <a:endParaRPr lang="ru-RU"/>
           </a:p>
@@ -4285,7 +4285,7 @@
           <a:p>
             <a:fld id="{ED7A5A9E-355E-4F5A-82F5-195339D13266}" type="datetimeFigureOut">
               <a:rPr lang="ru-RU" smtClean="0"/>
-              <a:t>04.04.2016</a:t>
+              <a:t>05.04.2016</a:t>
             </a:fld>
             <a:endParaRPr lang="ru-RU"/>
           </a:p>
@@ -4465,7 +4465,7 @@
           <a:p>
             <a:fld id="{ED7A5A9E-355E-4F5A-82F5-195339D13266}" type="datetimeFigureOut">
               <a:rPr lang="ru-RU" smtClean="0"/>
-              <a:t>04.04.2016</a:t>
+              <a:t>05.04.2016</a:t>
             </a:fld>
             <a:endParaRPr lang="ru-RU"/>
           </a:p>
@@ -4635,7 +4635,7 @@
           <a:p>
             <a:fld id="{ED7A5A9E-355E-4F5A-82F5-195339D13266}" type="datetimeFigureOut">
               <a:rPr lang="ru-RU" smtClean="0"/>
-              <a:t>04.04.2016</a:t>
+              <a:t>05.04.2016</a:t>
             </a:fld>
             <a:endParaRPr lang="ru-RU"/>
           </a:p>
@@ -4881,7 +4881,7 @@
           <a:p>
             <a:fld id="{ED7A5A9E-355E-4F5A-82F5-195339D13266}" type="datetimeFigureOut">
               <a:rPr lang="ru-RU" smtClean="0"/>
-              <a:t>04.04.2016</a:t>
+              <a:t>05.04.2016</a:t>
             </a:fld>
             <a:endParaRPr lang="ru-RU"/>
           </a:p>
@@ -5169,7 +5169,7 @@
           <a:p>
             <a:fld id="{ED7A5A9E-355E-4F5A-82F5-195339D13266}" type="datetimeFigureOut">
               <a:rPr lang="ru-RU" smtClean="0"/>
-              <a:t>04.04.2016</a:t>
+              <a:t>05.04.2016</a:t>
             </a:fld>
             <a:endParaRPr lang="ru-RU"/>
           </a:p>
@@ -5591,7 +5591,7 @@
           <a:p>
             <a:fld id="{ED7A5A9E-355E-4F5A-82F5-195339D13266}" type="datetimeFigureOut">
               <a:rPr lang="ru-RU" smtClean="0"/>
-              <a:t>04.04.2016</a:t>
+              <a:t>05.04.2016</a:t>
             </a:fld>
             <a:endParaRPr lang="ru-RU"/>
           </a:p>
@@ -5709,7 +5709,7 @@
           <a:p>
             <a:fld id="{ED7A5A9E-355E-4F5A-82F5-195339D13266}" type="datetimeFigureOut">
               <a:rPr lang="ru-RU" smtClean="0"/>
-              <a:t>04.04.2016</a:t>
+              <a:t>05.04.2016</a:t>
             </a:fld>
             <a:endParaRPr lang="ru-RU"/>
           </a:p>
@@ -5804,7 +5804,7 @@
           <a:p>
             <a:fld id="{ED7A5A9E-355E-4F5A-82F5-195339D13266}" type="datetimeFigureOut">
               <a:rPr lang="ru-RU" smtClean="0"/>
-              <a:t>04.04.2016</a:t>
+              <a:t>05.04.2016</a:t>
             </a:fld>
             <a:endParaRPr lang="ru-RU"/>
           </a:p>
@@ -6081,7 +6081,7 @@
           <a:p>
             <a:fld id="{ED7A5A9E-355E-4F5A-82F5-195339D13266}" type="datetimeFigureOut">
               <a:rPr lang="ru-RU" smtClean="0"/>
-              <a:t>04.04.2016</a:t>
+              <a:t>05.04.2016</a:t>
             </a:fld>
             <a:endParaRPr lang="ru-RU"/>
           </a:p>
@@ -6334,7 +6334,7 @@
           <a:p>
             <a:fld id="{ED7A5A9E-355E-4F5A-82F5-195339D13266}" type="datetimeFigureOut">
               <a:rPr lang="ru-RU" smtClean="0"/>
-              <a:t>04.04.2016</a:t>
+              <a:t>05.04.2016</a:t>
             </a:fld>
             <a:endParaRPr lang="ru-RU"/>
           </a:p>
@@ -6547,7 +6547,7 @@
           <a:p>
             <a:fld id="{ED7A5A9E-355E-4F5A-82F5-195339D13266}" type="datetimeFigureOut">
               <a:rPr lang="ru-RU" smtClean="0"/>
-              <a:t>04.04.2016</a:t>
+              <a:t>05.04.2016</a:t>
             </a:fld>
             <a:endParaRPr lang="ru-RU"/>
           </a:p>
@@ -7239,7 +7239,7 @@
           <a:graphicData uri="http://schemas.openxmlformats.org/presentationml/2006/ole">
             <mc:AlternateContent xmlns:mc="http://schemas.openxmlformats.org/markup-compatibility/2006">
               <mc:Choice xmlns:v="urn:schemas-microsoft-com:vml" Requires="v">
-                <p:oleObj spid="_x0000_s1058" name="VISIO" r:id="rId4" imgW="2544803" imgH="251238" progId="Visio.Drawing.5">
+                <p:oleObj spid="_x0000_s1061" name="VISIO" r:id="rId4" imgW="2544803" imgH="251238" progId="Visio.Drawing.5">
                   <p:embed/>
                 </p:oleObj>
               </mc:Choice>
@@ -7668,7 +7668,7 @@
         </p:nvSpPr>
         <p:spPr>
           <a:xfrm>
-            <a:off x="533400" y="2286000"/>
+            <a:off x="533400" y="1484784"/>
             <a:ext cx="8229600" cy="3810000"/>
           </a:xfrm>
         </p:spPr>
@@ -7684,8 +7684,45 @@
                 <a:latin typeface="Consolas" panose="020B0609020204030204" pitchFamily="49" charset="0"/>
                 <a:cs typeface="Consolas" panose="020B0609020204030204" pitchFamily="49" charset="0"/>
               </a:rPr>
-              <a:t>class Game{</a:t>
-            </a:r>
+              <a:t>class Game</a:t>
+            </a:r>
+            <a:r>
+              <a:rPr lang="en-US" altLang="ru-RU" dirty="0" smtClean="0">
+                <a:latin typeface="Consolas" panose="020B0609020204030204" pitchFamily="49" charset="0"/>
+                <a:cs typeface="Consolas" panose="020B0609020204030204" pitchFamily="49" charset="0"/>
+              </a:rPr>
+              <a:t>{</a:t>
+            </a:r>
+          </a:p>
+          <a:p>
+            <a:pPr marL="57150" indent="0">
+              <a:buNone/>
+            </a:pPr>
+            <a:r>
+              <a:rPr lang="en-US" altLang="ru-RU" dirty="0">
+                <a:latin typeface="Consolas" panose="020B0609020204030204" pitchFamily="49" charset="0"/>
+                <a:cs typeface="Consolas" panose="020B0609020204030204" pitchFamily="49" charset="0"/>
+              </a:rPr>
+              <a:t> </a:t>
+            </a:r>
+            <a:r>
+              <a:rPr lang="en-US" altLang="ru-RU" dirty="0" smtClean="0">
+                <a:latin typeface="Consolas" panose="020B0609020204030204" pitchFamily="49" charset="0"/>
+                <a:cs typeface="Consolas" panose="020B0609020204030204" pitchFamily="49" charset="0"/>
+              </a:rPr>
+              <a:t>   // throws </a:t>
+            </a:r>
+            <a:r>
+              <a:rPr lang="en-US" altLang="ru-RU" dirty="0" err="1" smtClean="0">
+                <a:latin typeface="Consolas" panose="020B0609020204030204" pitchFamily="49" charset="0"/>
+                <a:cs typeface="Consolas" panose="020B0609020204030204" pitchFamily="49" charset="0"/>
+              </a:rPr>
+              <a:t>GameIsOverException</a:t>
+            </a:r>
+            <a:endParaRPr lang="en-US" altLang="ru-RU" dirty="0" smtClean="0">
+              <a:latin typeface="Consolas" panose="020B0609020204030204" pitchFamily="49" charset="0"/>
+              <a:cs typeface="Consolas" panose="020B0609020204030204" pitchFamily="49" charset="0"/>
+            </a:endParaRPr>
           </a:p>
           <a:p>
             <a:pPr marL="57150" indent="0">
@@ -7736,29 +7773,80 @@
                 <a:latin typeface="Consolas" panose="020B0609020204030204" pitchFamily="49" charset="0"/>
                 <a:cs typeface="Consolas" panose="020B0609020204030204" pitchFamily="49" charset="0"/>
               </a:rPr>
-              <a:t>int</a:t>
+              <a:t>IList</a:t>
             </a:r>
             <a:r>
               <a:rPr lang="en-US" altLang="ru-RU" dirty="0" smtClean="0">
                 <a:latin typeface="Consolas" panose="020B0609020204030204" pitchFamily="49" charset="0"/>
                 <a:cs typeface="Consolas" panose="020B0609020204030204" pitchFamily="49" charset="0"/>
               </a:rPr>
-              <a:t> </a:t>
+              <a:t>&lt;</a:t>
+            </a:r>
+            <a:r>
+              <a:rPr lang="en-US" altLang="ru-RU" dirty="0" smtClean="0">
+                <a:latin typeface="Consolas" panose="020B0609020204030204" pitchFamily="49" charset="0"/>
+                <a:cs typeface="Consolas" panose="020B0609020204030204" pitchFamily="49" charset="0"/>
+              </a:rPr>
+              <a:t>Frame&gt; </a:t>
             </a:r>
             <a:r>
               <a:rPr lang="en-US" altLang="ru-RU" dirty="0" err="1" smtClean="0">
                 <a:latin typeface="Consolas" panose="020B0609020204030204" pitchFamily="49" charset="0"/>
                 <a:cs typeface="Consolas" panose="020B0609020204030204" pitchFamily="49" charset="0"/>
               </a:rPr>
-              <a:t>GetScore</a:t>
+              <a:t>GetFrames</a:t>
             </a:r>
             <a:r>
               <a:rPr lang="en-US" altLang="ru-RU" dirty="0" smtClean="0">
                 <a:latin typeface="Consolas" panose="020B0609020204030204" pitchFamily="49" charset="0"/>
                 <a:cs typeface="Consolas" panose="020B0609020204030204" pitchFamily="49" charset="0"/>
               </a:rPr>
-              <a:t>() { }</a:t>
-            </a:r>
+              <a:t>() </a:t>
+            </a:r>
+            <a:r>
+              <a:rPr lang="en-US" altLang="ru-RU" dirty="0" smtClean="0">
+                <a:latin typeface="Consolas" panose="020B0609020204030204" pitchFamily="49" charset="0"/>
+                <a:cs typeface="Consolas" panose="020B0609020204030204" pitchFamily="49" charset="0"/>
+              </a:rPr>
+              <a:t>{ </a:t>
+            </a:r>
+            <a:r>
+              <a:rPr lang="en-US" altLang="ru-RU" dirty="0" smtClean="0">
+                <a:latin typeface="Consolas" panose="020B0609020204030204" pitchFamily="49" charset="0"/>
+                <a:cs typeface="Consolas" panose="020B0609020204030204" pitchFamily="49" charset="0"/>
+              </a:rPr>
+              <a:t>}</a:t>
+            </a:r>
+          </a:p>
+          <a:p>
+            <a:pPr marL="57150" indent="0">
+              <a:buNone/>
+            </a:pPr>
+            <a:r>
+              <a:rPr lang="en-US" altLang="ru-RU" dirty="0">
+                <a:latin typeface="Consolas" panose="020B0609020204030204" pitchFamily="49" charset="0"/>
+                <a:cs typeface="Consolas" panose="020B0609020204030204" pitchFamily="49" charset="0"/>
+              </a:rPr>
+              <a:t>	</a:t>
+            </a:r>
+            <a:r>
+              <a:rPr lang="en-US" altLang="ru-RU" dirty="0" err="1" smtClean="0">
+                <a:latin typeface="Consolas" panose="020B0609020204030204" pitchFamily="49" charset="0"/>
+                <a:cs typeface="Consolas" panose="020B0609020204030204" pitchFamily="49" charset="0"/>
+              </a:rPr>
+              <a:t>int</a:t>
+            </a:r>
+            <a:r>
+              <a:rPr lang="en-US" altLang="ru-RU" dirty="0" smtClean="0">
+                <a:latin typeface="Consolas" panose="020B0609020204030204" pitchFamily="49" charset="0"/>
+                <a:cs typeface="Consolas" panose="020B0609020204030204" pitchFamily="49" charset="0"/>
+              </a:rPr>
+              <a:t> Score { get; }</a:t>
+            </a:r>
+            <a:endParaRPr lang="en-US" altLang="ru-RU" dirty="0" smtClean="0">
+              <a:latin typeface="Consolas" panose="020B0609020204030204" pitchFamily="49" charset="0"/>
+              <a:cs typeface="Consolas" panose="020B0609020204030204" pitchFamily="49" charset="0"/>
+            </a:endParaRPr>
           </a:p>
           <a:p>
             <a:pPr marL="57150" indent="0">
